--- a/graphics/venom-diagrams.pptx
+++ b/graphics/venom-diagrams.pptx
@@ -201,7 +201,7 @@
           <a:p>
             <a:fld id="{1C8FE042-0B66-6B40-B0E0-26B8EBC13308}" type="datetimeFigureOut">
               <a:rPr lang="de-DE" smtClean="0"/>
-              <a:t>10.04.15</a:t>
+              <a:t>11.04.15</a:t>
             </a:fld>
             <a:endParaRPr lang="de-DE"/>
           </a:p>
@@ -1702,15 +1702,7 @@
           <a:p>
             <a:r>
               <a:rPr lang="de-DE" dirty="0" smtClean="0"/>
-              <a:t>just </a:t>
-            </a:r>
-            <a:r>
-              <a:rPr lang="de-DE" dirty="0" smtClean="0"/>
-              <a:t>a </a:t>
-            </a:r>
-            <a:r>
-              <a:rPr lang="de-DE" dirty="0" smtClean="0"/>
-              <a:t>web </a:t>
+              <a:t>just a web </a:t>
             </a:r>
             <a:r>
               <a:rPr lang="de-DE" dirty="0" err="1" smtClean="0"/>
@@ -1719,10 +1711,6 @@
             <a:r>
               <a:rPr lang="de-DE" dirty="0" smtClean="0"/>
               <a:t>:</a:t>
-            </a:r>
-            <a:r>
-              <a:rPr lang="de-DE" dirty="0" smtClean="0"/>
-              <a:t/>
             </a:r>
             <a:br>
               <a:rPr lang="de-DE" dirty="0" smtClean="0"/>
@@ -2668,44 +2656,6 @@
           <a:chExt cx="0" cy="0"/>
         </a:xfrm>
       </p:grpSpPr>
-      <p:sp>
-        <p:nvSpPr>
-          <p:cNvPr id="2" name="Titel 1"/>
-          <p:cNvSpPr>
-            <a:spLocks noGrp="1"/>
-          </p:cNvSpPr>
-          <p:nvPr>
-            <p:ph type="title"/>
-          </p:nvPr>
-        </p:nvSpPr>
-        <p:spPr>
-          <a:xfrm>
-            <a:off x="457200" y="85779"/>
-            <a:ext cx="8229600" cy="1536393"/>
-          </a:xfrm>
-        </p:spPr>
-        <p:txBody>
-          <a:bodyPr>
-            <a:normAutofit/>
-          </a:bodyPr>
-          <a:lstStyle/>
-          <a:p>
-            <a:pPr algn="l"/>
-            <a:r>
-              <a:rPr lang="de-DE" dirty="0" smtClean="0"/>
-              <a:t>Historie (1)</a:t>
-            </a:r>
-            <a:br>
-              <a:rPr lang="de-DE" dirty="0" smtClean="0"/>
-            </a:br>
-            <a:r>
-              <a:rPr lang="de-DE" dirty="0" smtClean="0"/>
-              <a:t>Systeme...</a:t>
-            </a:r>
-            <a:endParaRPr lang="de-DE" dirty="0"/>
-          </a:p>
-        </p:txBody>
-      </p:sp>
       <p:cxnSp>
         <p:nvCxnSpPr>
           <p:cNvPr id="5" name="Gerade Verbindung mit Pfeil 4"/>
@@ -3439,14 +3389,26 @@
             <a:pPr algn="ctr"/>
             <a:r>
               <a:rPr lang="de-DE" sz="1600" dirty="0" smtClean="0"/>
-              <a:t>B.O.S.S</a:t>
+              <a:t>SAMM </a:t>
+            </a:r>
+            <a:r>
+              <a:rPr lang="de-DE" sz="1600" dirty="0" err="1" smtClean="0"/>
+              <a:t>Sales</a:t>
+            </a:r>
+            <a:r>
+              <a:rPr lang="de-DE" sz="1600" smtClean="0"/>
+              <a:t/>
             </a:r>
             <a:br>
+              <a:rPr lang="de-DE" sz="1600" smtClean="0"/>
+            </a:br>
+            <a:r>
+              <a:rPr lang="de-DE" sz="1600" smtClean="0"/>
+              <a:t>(</a:t>
+            </a:r>
+            <a:r>
               <a:rPr lang="de-DE" sz="1600" dirty="0" smtClean="0"/>
-            </a:br>
-            <a:r>
-              <a:rPr lang="de-DE" sz="1600" dirty="0" smtClean="0"/>
-              <a:t>(Java &amp; Co)</a:t>
+              <a:t>Java &amp; Co)</a:t>
             </a:r>
             <a:endParaRPr lang="de-DE" sz="1600" dirty="0"/>
           </a:p>
@@ -3637,8 +3599,8 @@
           <a:p>
             <a:pPr algn="ctr"/>
             <a:r>
-              <a:rPr lang="de-DE" sz="2400" b="1" dirty="0" err="1" smtClean="0"/>
-              <a:t>i.B.O.S.S</a:t>
+              <a:rPr lang="de-DE" sz="2400" b="1" dirty="0" smtClean="0"/>
+              <a:t>VENOM</a:t>
             </a:r>
             <a:r>
               <a:rPr lang="de-DE" sz="2000" dirty="0" smtClean="0"/>

--- a/graphics/venom-diagrams.pptx
+++ b/graphics/venom-diagrams.pptx
@@ -201,7 +201,7 @@
           <a:p>
             <a:fld id="{1C8FE042-0B66-6B40-B0E0-26B8EBC13308}" type="datetimeFigureOut">
               <a:rPr lang="de-DE" smtClean="0"/>
-              <a:t>11.04.15</a:t>
+              <a:t>18.04.15</a:t>
             </a:fld>
             <a:endParaRPr lang="de-DE"/>
           </a:p>
@@ -4053,44 +4053,6 @@
           <a:chExt cx="0" cy="0"/>
         </a:xfrm>
       </p:grpSpPr>
-      <p:sp>
-        <p:nvSpPr>
-          <p:cNvPr id="2" name="Titel 1"/>
-          <p:cNvSpPr>
-            <a:spLocks noGrp="1"/>
-          </p:cNvSpPr>
-          <p:nvPr>
-            <p:ph type="title"/>
-          </p:nvPr>
-        </p:nvSpPr>
-        <p:spPr>
-          <a:xfrm>
-            <a:off x="457200" y="85779"/>
-            <a:ext cx="8229600" cy="1536393"/>
-          </a:xfrm>
-        </p:spPr>
-        <p:txBody>
-          <a:bodyPr>
-            <a:normAutofit/>
-          </a:bodyPr>
-          <a:lstStyle/>
-          <a:p>
-            <a:pPr algn="l"/>
-            <a:r>
-              <a:rPr lang="de-DE" dirty="0" smtClean="0"/>
-              <a:t>Historie (2)</a:t>
-            </a:r>
-            <a:br>
-              <a:rPr lang="de-DE" dirty="0" smtClean="0"/>
-            </a:br>
-            <a:r>
-              <a:rPr lang="de-DE" dirty="0" smtClean="0"/>
-              <a:t>Unternehmen...</a:t>
-            </a:r>
-            <a:endParaRPr lang="de-DE" dirty="0"/>
-          </a:p>
-        </p:txBody>
-      </p:sp>
       <p:cxnSp>
         <p:nvCxnSpPr>
           <p:cNvPr id="5" name="Gerade Verbindung mit Pfeil 4"/>
@@ -4842,7 +4804,7 @@
             <a:pPr algn="ctr"/>
             <a:r>
               <a:rPr lang="de-DE" sz="2400" b="1" dirty="0" smtClean="0"/>
-              <a:t>Rot-Gelb</a:t>
+              <a:t>SAMM</a:t>
             </a:r>
             <a:r>
               <a:rPr lang="de-DE" sz="2000" dirty="0" smtClean="0"/>

--- a/graphics/venom-diagrams.pptx
+++ b/graphics/venom-diagrams.pptx
@@ -116,6 +116,22 @@
       </a:defRPr>
     </a:lvl9pPr>
   </p:defaultTextStyle>
+  <p:extLst>
+    <p:ext uri="{EFAFB233-063F-42B5-8137-9DF3F51BA10A}">
+      <p15:sldGuideLst xmlns:p15="http://schemas.microsoft.com/office/powerpoint/2012/main">
+        <p15:guide id="1" orient="horz" pos="588">
+          <p15:clr>
+            <a:srgbClr val="A4A3A4"/>
+          </p15:clr>
+        </p15:guide>
+        <p15:guide id="2" pos="5759">
+          <p15:clr>
+            <a:srgbClr val="A4A3A4"/>
+          </p15:clr>
+        </p15:guide>
+      </p15:sldGuideLst>
+    </p:ext>
+  </p:extLst>
 </p:presentation>
 </file>
 
@@ -201,7 +217,7 @@
           <a:p>
             <a:fld id="{1C8FE042-0B66-6B40-B0E0-26B8EBC13308}" type="datetimeFigureOut">
               <a:rPr lang="de-DE" smtClean="0"/>
-              <a:t>18.04.15</a:t>
+              <a:t>09.05.17</a:t>
             </a:fld>
             <a:endParaRPr lang="de-DE"/>
           </a:p>
@@ -2160,6 +2176,30 @@
           <a:chExt cx="0" cy="0"/>
         </a:xfrm>
       </p:grpSpPr>
+      <p:pic>
+        <p:nvPicPr>
+          <p:cNvPr id="19" name="Bild 18"/>
+          <p:cNvPicPr>
+            <a:picLocks noChangeAspect="1"/>
+          </p:cNvPicPr>
+          <p:nvPr/>
+        </p:nvPicPr>
+        <p:blipFill>
+          <a:blip r:embed="rId2"/>
+          <a:stretch>
+            <a:fillRect/>
+          </a:stretch>
+        </p:blipFill>
+        <p:spPr>
+          <a:xfrm>
+            <a:off x="99870" y="2166922"/>
+            <a:ext cx="6489700" cy="4406900"/>
+          </a:xfrm>
+          <a:prstGeom prst="rect">
+            <a:avLst/>
+          </a:prstGeom>
+        </p:spPr>
+      </p:pic>
       <p:sp>
         <p:nvSpPr>
           <p:cNvPr id="2" name="Titel 1"/>
@@ -2190,30 +2230,6 @@
           </a:p>
         </p:txBody>
       </p:sp>
-      <p:pic>
-        <p:nvPicPr>
-          <p:cNvPr id="6" name="Bild 5"/>
-          <p:cNvPicPr>
-            <a:picLocks noChangeAspect="1"/>
-          </p:cNvPicPr>
-          <p:nvPr/>
-        </p:nvPicPr>
-        <p:blipFill>
-          <a:blip r:embed="rId2"/>
-          <a:stretch>
-            <a:fillRect/>
-          </a:stretch>
-        </p:blipFill>
-        <p:spPr>
-          <a:xfrm>
-            <a:off x="0" y="2332300"/>
-            <a:ext cx="6076634" cy="4173970"/>
-          </a:xfrm>
-          <a:prstGeom prst="rect">
-            <a:avLst/>
-          </a:prstGeom>
-        </p:spPr>
-      </p:pic>
       <p:sp>
         <p:nvSpPr>
           <p:cNvPr id="7" name="Textfeld 6"/>
@@ -2222,7 +2238,7 @@
         </p:nvSpPr>
         <p:spPr>
           <a:xfrm>
-            <a:off x="5081856" y="1265238"/>
+            <a:off x="5072068" y="1009149"/>
             <a:ext cx="4070345" cy="2585323"/>
           </a:xfrm>
           <a:prstGeom prst="rect">
@@ -2319,14 +2335,14 @@
       </p:sp>
       <p:sp>
         <p:nvSpPr>
-          <p:cNvPr id="8" name="Textfeld 7"/>
+          <p:cNvPr id="13" name="Textfeld 12"/>
           <p:cNvSpPr txBox="1"/>
           <p:nvPr/>
         </p:nvSpPr>
         <p:spPr>
-          <a:xfrm>
-            <a:off x="4436241" y="6321604"/>
-            <a:ext cx="1640393" cy="338554"/>
+          <a:xfrm rot="988453">
+            <a:off x="6707756" y="4804845"/>
+            <a:ext cx="2392114" cy="646331"/>
           </a:xfrm>
           <a:prstGeom prst="rect">
             <a:avLst/>
@@ -2340,7 +2356,81 @@
           <a:lstStyle/>
           <a:p>
             <a:r>
-              <a:rPr lang="de-DE" sz="1600" b="1" dirty="0" smtClean="0">
+              <a:rPr lang="de-DE" b="1" dirty="0" smtClean="0">
+                <a:solidFill>
+                  <a:schemeClr val="tx2">
+                    <a:lumMod val="75000"/>
+                  </a:schemeClr>
+                </a:solidFill>
+              </a:rPr>
+              <a:t>Archivierungspflicht</a:t>
+            </a:r>
+          </a:p>
+          <a:p>
+            <a:r>
+              <a:rPr lang="de-DE" b="1" dirty="0" smtClean="0">
+                <a:solidFill>
+                  <a:schemeClr val="tx2">
+                    <a:lumMod val="75000"/>
+                  </a:schemeClr>
+                </a:solidFill>
+              </a:rPr>
+              <a:t>Teilw. </a:t>
+            </a:r>
+            <a:r>
+              <a:rPr lang="de-DE" b="1" dirty="0">
+                <a:solidFill>
+                  <a:schemeClr val="tx2">
+                    <a:lumMod val="75000"/>
+                  </a:schemeClr>
+                </a:solidFill>
+              </a:rPr>
+              <a:t>r</a:t>
+            </a:r>
+            <a:r>
+              <a:rPr lang="de-DE" b="1" dirty="0" smtClean="0">
+                <a:solidFill>
+                  <a:schemeClr val="tx2">
+                    <a:lumMod val="75000"/>
+                  </a:schemeClr>
+                </a:solidFill>
+              </a:rPr>
+              <a:t>egulierte Preise</a:t>
+            </a:r>
+            <a:endParaRPr lang="de-DE" b="1" dirty="0">
+              <a:solidFill>
+                <a:schemeClr val="tx2">
+                  <a:lumMod val="75000"/>
+                </a:schemeClr>
+              </a:solidFill>
+            </a:endParaRPr>
+          </a:p>
+        </p:txBody>
+      </p:sp>
+      <p:sp>
+        <p:nvSpPr>
+          <p:cNvPr id="14" name="Textfeld 13"/>
+          <p:cNvSpPr txBox="1"/>
+          <p:nvPr/>
+        </p:nvSpPr>
+        <p:spPr>
+          <a:xfrm>
+            <a:off x="1534820" y="2225538"/>
+            <a:ext cx="1968809" cy="338554"/>
+          </a:xfrm>
+          <a:prstGeom prst="rect">
+            <a:avLst/>
+          </a:prstGeom>
+          <a:noFill/>
+        </p:spPr>
+        <p:txBody>
+          <a:bodyPr wrap="none" rtlCol="0">
+            <a:spAutoFit/>
+          </a:bodyPr>
+          <a:lstStyle/>
+          <a:p>
+            <a:r>
+              <a:rPr lang="de-DE" sz="1600" b="1">
                 <a:solidFill>
                   <a:schemeClr val="accent6">
                     <a:lumMod val="60000"/>
@@ -2350,27 +2440,19 @@
               </a:rPr>
               <a:t>Umsatz in % (ca.)</a:t>
             </a:r>
-            <a:endParaRPr lang="de-DE" sz="1600" b="1" dirty="0">
-              <a:solidFill>
-                <a:schemeClr val="accent6">
-                  <a:lumMod val="60000"/>
-                  <a:lumOff val="40000"/>
-                </a:schemeClr>
-              </a:solidFill>
-            </a:endParaRPr>
           </a:p>
         </p:txBody>
       </p:sp>
       <p:sp>
         <p:nvSpPr>
-          <p:cNvPr id="9" name="Textfeld 8"/>
+          <p:cNvPr id="15" name="Textfeld 14"/>
           <p:cNvSpPr txBox="1"/>
           <p:nvPr/>
         </p:nvSpPr>
         <p:spPr>
           <a:xfrm>
-            <a:off x="1598272" y="3250302"/>
-            <a:ext cx="586932" cy="369332"/>
+            <a:off x="1752994" y="3163967"/>
+            <a:ext cx="592174" cy="369332"/>
           </a:xfrm>
           <a:prstGeom prst="rect">
             <a:avLst/>
@@ -2380,7 +2462,45 @@
           </a:solidFill>
         </p:spPr>
         <p:txBody>
-          <a:bodyPr wrap="none" rtlCol="0">
+          <a:bodyPr wrap="square" rtlCol="0">
+            <a:spAutoFit/>
+          </a:bodyPr>
+          <a:lstStyle/>
+          <a:p>
+            <a:r>
+              <a:rPr lang="de-DE" b="1">
+                <a:solidFill>
+                  <a:schemeClr val="accent6">
+                    <a:lumMod val="60000"/>
+                    <a:lumOff val="40000"/>
+                  </a:schemeClr>
+                </a:solidFill>
+              </a:rPr>
+              <a:t>25%</a:t>
+            </a:r>
+          </a:p>
+        </p:txBody>
+      </p:sp>
+      <p:sp>
+        <p:nvSpPr>
+          <p:cNvPr id="16" name="Textfeld 15"/>
+          <p:cNvSpPr txBox="1"/>
+          <p:nvPr/>
+        </p:nvSpPr>
+        <p:spPr>
+          <a:xfrm>
+            <a:off x="1752994" y="3869380"/>
+            <a:ext cx="484598" cy="369332"/>
+          </a:xfrm>
+          <a:prstGeom prst="rect">
+            <a:avLst/>
+          </a:prstGeom>
+          <a:solidFill>
+            <a:schemeClr val="bg1"/>
+          </a:solidFill>
+        </p:spPr>
+        <p:txBody>
+          <a:bodyPr wrap="square" rtlCol="0">
             <a:spAutoFit/>
           </a:bodyPr>
           <a:lstStyle/>
@@ -2394,29 +2514,32 @@
                   </a:schemeClr>
                 </a:solidFill>
               </a:rPr>
-              <a:t>25%</a:t>
-            </a:r>
-            <a:endParaRPr lang="de-DE" b="1" dirty="0">
-              <a:solidFill>
-                <a:schemeClr val="accent6">
-                  <a:lumMod val="60000"/>
-                  <a:lumOff val="40000"/>
-                </a:schemeClr>
-              </a:solidFill>
-            </a:endParaRPr>
+              <a:t>5</a:t>
+            </a:r>
+            <a:r>
+              <a:rPr lang="de-DE" b="1" dirty="0">
+                <a:solidFill>
+                  <a:schemeClr val="accent6">
+                    <a:lumMod val="60000"/>
+                    <a:lumOff val="40000"/>
+                  </a:schemeClr>
+                </a:solidFill>
+              </a:rPr>
+              <a:t>%</a:t>
+            </a:r>
           </a:p>
         </p:txBody>
       </p:sp>
       <p:sp>
         <p:nvSpPr>
-          <p:cNvPr id="10" name="Textfeld 9"/>
+          <p:cNvPr id="17" name="Textfeld 16"/>
           <p:cNvSpPr txBox="1"/>
           <p:nvPr/>
         </p:nvSpPr>
         <p:spPr>
           <a:xfrm>
-            <a:off x="1598272" y="4001040"/>
-            <a:ext cx="586932" cy="369332"/>
+            <a:off x="1884037" y="4529230"/>
+            <a:ext cx="712858" cy="369332"/>
           </a:xfrm>
           <a:prstGeom prst="rect">
             <a:avLst/>
@@ -2426,7 +2549,7 @@
           </a:solidFill>
         </p:spPr>
         <p:txBody>
-          <a:bodyPr wrap="none" rtlCol="0">
+          <a:bodyPr wrap="square" rtlCol="0">
             <a:spAutoFit/>
           </a:bodyPr>
           <a:lstStyle/>
@@ -2440,45 +2563,10 @@
                   </a:schemeClr>
                 </a:solidFill>
               </a:rPr>
-              <a:t>15%</a:t>
-            </a:r>
-            <a:endParaRPr lang="de-DE" b="1" dirty="0">
-              <a:solidFill>
-                <a:schemeClr val="accent6">
-                  <a:lumMod val="60000"/>
-                  <a:lumOff val="40000"/>
-                </a:schemeClr>
-              </a:solidFill>
-            </a:endParaRPr>
-          </a:p>
-        </p:txBody>
-      </p:sp>
-      <p:sp>
-        <p:nvSpPr>
-          <p:cNvPr id="11" name="Textfeld 10"/>
-          <p:cNvSpPr txBox="1"/>
-          <p:nvPr/>
-        </p:nvSpPr>
-        <p:spPr>
-          <a:xfrm>
-            <a:off x="1769245" y="4567112"/>
-            <a:ext cx="586932" cy="369332"/>
-          </a:xfrm>
-          <a:prstGeom prst="rect">
-            <a:avLst/>
-          </a:prstGeom>
-          <a:solidFill>
-            <a:schemeClr val="bg1"/>
-          </a:solidFill>
-        </p:spPr>
-        <p:txBody>
-          <a:bodyPr wrap="none" rtlCol="0">
-            <a:spAutoFit/>
-          </a:bodyPr>
-          <a:lstStyle/>
-          <a:p>
-            <a:r>
-              <a:rPr lang="de-DE" b="1" dirty="0" smtClean="0">
+              <a:t>45</a:t>
+            </a:r>
+            <a:r>
+              <a:rPr lang="de-DE" b="1" dirty="0">
                 <a:solidFill>
                   <a:schemeClr val="accent6">
                     <a:lumMod val="60000"/>
@@ -2486,29 +2574,21 @@
                   </a:schemeClr>
                 </a:solidFill>
               </a:rPr>
-              <a:t>35%</a:t>
-            </a:r>
-            <a:endParaRPr lang="de-DE" b="1" dirty="0">
-              <a:solidFill>
-                <a:schemeClr val="accent6">
-                  <a:lumMod val="60000"/>
-                  <a:lumOff val="40000"/>
-                </a:schemeClr>
-              </a:solidFill>
-            </a:endParaRPr>
+              <a:t>%</a:t>
+            </a:r>
           </a:p>
         </p:txBody>
       </p:sp>
       <p:sp>
         <p:nvSpPr>
-          <p:cNvPr id="12" name="Textfeld 11"/>
+          <p:cNvPr id="18" name="Textfeld 17"/>
           <p:cNvSpPr txBox="1"/>
           <p:nvPr/>
         </p:nvSpPr>
         <p:spPr>
           <a:xfrm>
-            <a:off x="1792862" y="5171180"/>
-            <a:ext cx="586932" cy="369332"/>
+            <a:off x="2049081" y="5128010"/>
+            <a:ext cx="649312" cy="369332"/>
           </a:xfrm>
           <a:prstGeom prst="rect">
             <a:avLst/>
@@ -2518,13 +2598,13 @@
           </a:solidFill>
         </p:spPr>
         <p:txBody>
-          <a:bodyPr wrap="none" rtlCol="0">
+          <a:bodyPr wrap="square" rtlCol="0">
             <a:spAutoFit/>
           </a:bodyPr>
           <a:lstStyle/>
           <a:p>
             <a:r>
-              <a:rPr lang="de-DE" b="1" dirty="0" smtClean="0">
+              <a:rPr lang="de-DE" b="1">
                 <a:solidFill>
                   <a:schemeClr val="accent6">
                     <a:lumMod val="60000"/>
@@ -2534,88 +2614,6 @@
               </a:rPr>
               <a:t>25%</a:t>
             </a:r>
-            <a:endParaRPr lang="de-DE" b="1" dirty="0">
-              <a:solidFill>
-                <a:schemeClr val="accent6">
-                  <a:lumMod val="60000"/>
-                  <a:lumOff val="40000"/>
-                </a:schemeClr>
-              </a:solidFill>
-            </a:endParaRPr>
-          </a:p>
-        </p:txBody>
-      </p:sp>
-      <p:sp>
-        <p:nvSpPr>
-          <p:cNvPr id="13" name="Textfeld 12"/>
-          <p:cNvSpPr txBox="1"/>
-          <p:nvPr/>
-        </p:nvSpPr>
-        <p:spPr>
-          <a:xfrm rot="988453">
-            <a:off x="6426395" y="4696288"/>
-            <a:ext cx="2392114" cy="646331"/>
-          </a:xfrm>
-          <a:prstGeom prst="rect">
-            <a:avLst/>
-          </a:prstGeom>
-          <a:noFill/>
-        </p:spPr>
-        <p:txBody>
-          <a:bodyPr wrap="none" rtlCol="0">
-            <a:spAutoFit/>
-          </a:bodyPr>
-          <a:lstStyle/>
-          <a:p>
-            <a:r>
-              <a:rPr lang="de-DE" b="1" dirty="0" smtClean="0">
-                <a:solidFill>
-                  <a:schemeClr val="tx2">
-                    <a:lumMod val="75000"/>
-                  </a:schemeClr>
-                </a:solidFill>
-              </a:rPr>
-              <a:t>Archivierungspflicht</a:t>
-            </a:r>
-          </a:p>
-          <a:p>
-            <a:r>
-              <a:rPr lang="de-DE" b="1" dirty="0" smtClean="0">
-                <a:solidFill>
-                  <a:schemeClr val="tx2">
-                    <a:lumMod val="75000"/>
-                  </a:schemeClr>
-                </a:solidFill>
-              </a:rPr>
-              <a:t>Teilw. </a:t>
-            </a:r>
-            <a:r>
-              <a:rPr lang="de-DE" b="1" dirty="0">
-                <a:solidFill>
-                  <a:schemeClr val="tx2">
-                    <a:lumMod val="75000"/>
-                  </a:schemeClr>
-                </a:solidFill>
-              </a:rPr>
-              <a:t>r</a:t>
-            </a:r>
-            <a:r>
-              <a:rPr lang="de-DE" b="1" dirty="0" smtClean="0">
-                <a:solidFill>
-                  <a:schemeClr val="tx2">
-                    <a:lumMod val="75000"/>
-                  </a:schemeClr>
-                </a:solidFill>
-              </a:rPr>
-              <a:t>egulierte Preise</a:t>
-            </a:r>
-            <a:endParaRPr lang="de-DE" b="1" dirty="0">
-              <a:solidFill>
-                <a:schemeClr val="tx2">
-                  <a:lumMod val="75000"/>
-                </a:schemeClr>
-              </a:solidFill>
-            </a:endParaRPr>
           </a:p>
         </p:txBody>
       </p:sp>
@@ -2632,7 +2630,7 @@
   <p:timing>
     <p:tnLst>
       <p:par>
-        <p:cTn xmlns:p14="http://schemas.microsoft.com/office/powerpoint/2010/main" id="1" dur="indefinite" restart="never" nodeType="tmRoot"/>
+        <p:cTn id="1" dur="indefinite" restart="never" nodeType="tmRoot"/>
       </p:par>
     </p:tnLst>
   </p:timing>
@@ -4029,7 +4027,7 @@
   <p:timing>
     <p:tnLst>
       <p:par>
-        <p:cTn xmlns:p14="http://schemas.microsoft.com/office/powerpoint/2010/main" id="1" dur="indefinite" restart="never" nodeType="tmRoot"/>
+        <p:cTn id="1" dur="indefinite" restart="never" nodeType="tmRoot"/>
       </p:par>
     </p:tnLst>
   </p:timing>
@@ -5193,7 +5191,7 @@
   <p:timing>
     <p:tnLst>
       <p:par>
-        <p:cTn xmlns:p14="http://schemas.microsoft.com/office/powerpoint/2010/main" id="1" dur="indefinite" restart="never" nodeType="tmRoot"/>
+        <p:cTn id="1" dur="indefinite" restart="never" nodeType="tmRoot"/>
       </p:par>
     </p:tnLst>
   </p:timing>
@@ -7850,30 +7848,6 @@
           <a:chExt cx="0" cy="0"/>
         </a:xfrm>
       </p:grpSpPr>
-      <p:pic>
-        <p:nvPicPr>
-          <p:cNvPr id="7" name="Bild 6"/>
-          <p:cNvPicPr>
-            <a:picLocks noChangeAspect="1"/>
-          </p:cNvPicPr>
-          <p:nvPr/>
-        </p:nvPicPr>
-        <p:blipFill>
-          <a:blip r:embed="rId2"/>
-          <a:stretch>
-            <a:fillRect/>
-          </a:stretch>
-        </p:blipFill>
-        <p:spPr>
-          <a:xfrm>
-            <a:off x="-18293" y="0"/>
-            <a:ext cx="9144000" cy="6713701"/>
-          </a:xfrm>
-          <a:prstGeom prst="rect">
-            <a:avLst/>
-          </a:prstGeom>
-        </p:spPr>
-      </p:pic>
       <p:sp>
         <p:nvSpPr>
           <p:cNvPr id="8" name="Textfeld 7"/>
